--- a/SwMedication.pptx
+++ b/SwMedication.pptx
@@ -470,7 +470,7 @@
             <a:fld id="{EED45F2C-48C0-4589-8EAA-13B334F98F28}" type="datetimeFigureOut">
               <a:rPr lang="en-IN" smtClean="0"/>
               <a:pPr/>
-              <a:t>30-11-2021</a:t>
+              <a:t>25-05-2022</a:t>
             </a:fld>
             <a:endParaRPr lang="en-IN"/>
           </a:p>
@@ -1560,7 +1560,7 @@
             <a:fld id="{EED45F2C-48C0-4589-8EAA-13B334F98F28}" type="datetimeFigureOut">
               <a:rPr lang="en-IN" smtClean="0"/>
               <a:pPr/>
-              <a:t>30-11-2021</a:t>
+              <a:t>25-05-2022</a:t>
             </a:fld>
             <a:endParaRPr lang="en-IN"/>
           </a:p>
@@ -2542,7 +2542,7 @@
             <a:fld id="{EED45F2C-48C0-4589-8EAA-13B334F98F28}" type="datetimeFigureOut">
               <a:rPr lang="en-IN" smtClean="0"/>
               <a:pPr/>
-              <a:t>30-11-2021</a:t>
+              <a:t>25-05-2022</a:t>
             </a:fld>
             <a:endParaRPr lang="en-IN"/>
           </a:p>
@@ -3678,7 +3678,7 @@
             <a:fld id="{EED45F2C-48C0-4589-8EAA-13B334F98F28}" type="datetimeFigureOut">
               <a:rPr lang="en-IN" smtClean="0"/>
               <a:pPr/>
-              <a:t>30-11-2021</a:t>
+              <a:t>25-05-2022</a:t>
             </a:fld>
             <a:endParaRPr lang="en-IN"/>
           </a:p>
@@ -4713,7 +4713,7 @@
             <a:fld id="{EED45F2C-48C0-4589-8EAA-13B334F98F28}" type="datetimeFigureOut">
               <a:rPr lang="en-IN" smtClean="0"/>
               <a:pPr/>
-              <a:t>30-11-2021</a:t>
+              <a:t>25-05-2022</a:t>
             </a:fld>
             <a:endParaRPr lang="en-IN"/>
           </a:p>
@@ -5375,7 +5375,7 @@
             <a:fld id="{EED45F2C-48C0-4589-8EAA-13B334F98F28}" type="datetimeFigureOut">
               <a:rPr lang="en-IN" smtClean="0"/>
               <a:pPr/>
-              <a:t>30-11-2021</a:t>
+              <a:t>25-05-2022</a:t>
             </a:fld>
             <a:endParaRPr lang="en-IN"/>
           </a:p>
@@ -6238,7 +6238,7 @@
             <a:fld id="{EED45F2C-48C0-4589-8EAA-13B334F98F28}" type="datetimeFigureOut">
               <a:rPr lang="en-IN" smtClean="0"/>
               <a:pPr/>
-              <a:t>30-11-2021</a:t>
+              <a:t>25-05-2022</a:t>
             </a:fld>
             <a:endParaRPr lang="en-IN"/>
           </a:p>
@@ -6430,7 +6430,7 @@
             <a:fld id="{EED45F2C-48C0-4589-8EAA-13B334F98F28}" type="datetimeFigureOut">
               <a:rPr lang="en-IN" smtClean="0"/>
               <a:pPr/>
-              <a:t>30-11-2021</a:t>
+              <a:t>25-05-2022</a:t>
             </a:fld>
             <a:endParaRPr lang="en-IN"/>
           </a:p>
@@ -7404,7 +7404,7 @@
             <a:fld id="{EED45F2C-48C0-4589-8EAA-13B334F98F28}" type="datetimeFigureOut">
               <a:rPr lang="en-IN" smtClean="0"/>
               <a:pPr/>
-              <a:t>30-11-2021</a:t>
+              <a:t>25-05-2022</a:t>
             </a:fld>
             <a:endParaRPr lang="en-IN"/>
           </a:p>
@@ -7617,7 +7617,7 @@
             <a:fld id="{EED45F2C-48C0-4589-8EAA-13B334F98F28}" type="datetimeFigureOut">
               <a:rPr lang="en-IN" smtClean="0"/>
               <a:pPr/>
-              <a:t>30-11-2021</a:t>
+              <a:t>25-05-2022</a:t>
             </a:fld>
             <a:endParaRPr lang="en-IN"/>
           </a:p>
@@ -8653,7 +8653,7 @@
             <a:fld id="{EED45F2C-48C0-4589-8EAA-13B334F98F28}" type="datetimeFigureOut">
               <a:rPr lang="en-IN" smtClean="0"/>
               <a:pPr/>
-              <a:t>30-11-2021</a:t>
+              <a:t>25-05-2022</a:t>
             </a:fld>
             <a:endParaRPr lang="en-IN"/>
           </a:p>
@@ -8927,7 +8927,7 @@
             <a:fld id="{EED45F2C-48C0-4589-8EAA-13B334F98F28}" type="datetimeFigureOut">
               <a:rPr lang="en-IN" smtClean="0"/>
               <a:pPr/>
-              <a:t>30-11-2021</a:t>
+              <a:t>25-05-2022</a:t>
             </a:fld>
             <a:endParaRPr lang="en-IN"/>
           </a:p>
@@ -9339,7 +9339,7 @@
             <a:fld id="{EED45F2C-48C0-4589-8EAA-13B334F98F28}" type="datetimeFigureOut">
               <a:rPr lang="en-IN" smtClean="0"/>
               <a:pPr/>
-              <a:t>30-11-2021</a:t>
+              <a:t>25-05-2022</a:t>
             </a:fld>
             <a:endParaRPr lang="en-IN"/>
           </a:p>
@@ -9468,7 +9468,7 @@
             <a:fld id="{EED45F2C-48C0-4589-8EAA-13B334F98F28}" type="datetimeFigureOut">
               <a:rPr lang="en-IN" smtClean="0"/>
               <a:pPr/>
-              <a:t>30-11-2021</a:t>
+              <a:t>25-05-2022</a:t>
             </a:fld>
             <a:endParaRPr lang="en-IN"/>
           </a:p>
@@ -9565,7 +9565,7 @@
             <a:fld id="{EED45F2C-48C0-4589-8EAA-13B334F98F28}" type="datetimeFigureOut">
               <a:rPr lang="en-IN" smtClean="0"/>
               <a:pPr/>
-              <a:t>30-11-2021</a:t>
+              <a:t>25-05-2022</a:t>
             </a:fld>
             <a:endParaRPr lang="en-IN"/>
           </a:p>
@@ -10648,7 +10648,7 @@
             <a:fld id="{EED45F2C-48C0-4589-8EAA-13B334F98F28}" type="datetimeFigureOut">
               <a:rPr lang="en-IN" smtClean="0"/>
               <a:pPr/>
-              <a:t>30-11-2021</a:t>
+              <a:t>25-05-2022</a:t>
             </a:fld>
             <a:endParaRPr lang="en-IN"/>
           </a:p>
@@ -11758,7 +11758,7 @@
             <a:fld id="{EED45F2C-48C0-4589-8EAA-13B334F98F28}" type="datetimeFigureOut">
               <a:rPr lang="en-IN" smtClean="0"/>
               <a:pPr/>
-              <a:t>30-11-2021</a:t>
+              <a:t>25-05-2022</a:t>
             </a:fld>
             <a:endParaRPr lang="en-IN"/>
           </a:p>
@@ -12757,7 +12757,7 @@
             <a:fld id="{EED45F2C-48C0-4589-8EAA-13B334F98F28}" type="datetimeFigureOut">
               <a:rPr lang="en-IN" smtClean="0"/>
               <a:pPr/>
-              <a:t>30-11-2021</a:t>
+              <a:t>25-05-2022</a:t>
             </a:fld>
             <a:endParaRPr lang="en-IN"/>
           </a:p>
@@ -13416,17 +13416,7 @@
                 <a:latin typeface="Arial" panose="020B0604020202020204" pitchFamily="34" charset="0"/>
                 <a:cs typeface="Arial" panose="020B0604020202020204" pitchFamily="34" charset="0"/>
               </a:rPr>
-              <a:t>				 	</a:t>
-            </a:r>
-            <a:r>
-              <a:rPr lang="en-IN" sz="4000" b="1" dirty="0" smtClean="0">
-                <a:solidFill>
-                  <a:srgbClr val="FFFFFF"/>
-                </a:solidFill>
-                <a:latin typeface="Arial" panose="020B0604020202020204" pitchFamily="34" charset="0"/>
-                <a:cs typeface="Arial" panose="020B0604020202020204" pitchFamily="34" charset="0"/>
-              </a:rPr>
-              <a:t>			Mini Project</a:t>
+              <a:t>				 				Mini Project</a:t>
             </a:r>
             <a:br>
               <a:rPr lang="en-IN" sz="4000" b="1" dirty="0" smtClean="0">
@@ -13818,11 +13808,11 @@
           <a:p>
             <a:pPr lvl="0"/>
             <a:r>
-              <a:rPr lang="en-US" dirty="0">
+              <a:rPr lang="en-US" smtClean="0">
                 <a:latin typeface="Arial" panose="020B0604020202020204" pitchFamily="34" charset="0"/>
                 <a:cs typeface="Arial" panose="020B0604020202020204" pitchFamily="34" charset="0"/>
               </a:rPr>
-              <a:t>Wikipedia</a:t>
+              <a:t>Documentation</a:t>
             </a:r>
             <a:endParaRPr lang="en-IN" dirty="0">
               <a:latin typeface="Arial" panose="020B0604020202020204" pitchFamily="34" charset="0"/>
@@ -14062,64 +14052,30 @@
             </a:endParaRPr>
           </a:p>
           <a:p>
-            <a:pPr marL="0" indent="0">
-              <a:buNone/>
-            </a:pPr>
             <a:r>
               <a:rPr lang="en-IN" sz="2400" dirty="0" smtClean="0">
                 <a:latin typeface="Arial" panose="020B0604020202020204" pitchFamily="34" charset="0"/>
                 <a:cs typeface="Arial" panose="020B0604020202020204" pitchFamily="34" charset="0"/>
               </a:rPr>
-              <a:t>	Univ</a:t>
+              <a:t>Shivansh Gupta</a:t>
             </a:r>
+          </a:p>
+          <a:p>
             <a:r>
               <a:rPr lang="en-IN" sz="2400" dirty="0" smtClean="0">
                 <a:latin typeface="Arial" panose="020B0604020202020204" pitchFamily="34" charset="0"/>
                 <a:cs typeface="Arial" panose="020B0604020202020204" pitchFamily="34" charset="0"/>
               </a:rPr>
-              <a:t>. roll no. </a:t>
+              <a:t>Saloni Maheshwari</a:t>
             </a:r>
+          </a:p>
+          <a:p>
             <a:r>
               <a:rPr lang="en-IN" sz="2400" dirty="0" smtClean="0">
                 <a:latin typeface="Arial" panose="020B0604020202020204" pitchFamily="34" charset="0"/>
                 <a:cs typeface="Arial" panose="020B0604020202020204" pitchFamily="34" charset="0"/>
               </a:rPr>
-              <a:t>– 191500849</a:t>
-            </a:r>
-          </a:p>
-          <a:p>
-            <a:r>
-              <a:rPr lang="en-IN" sz="2400" dirty="0" err="1" smtClean="0">
-                <a:latin typeface="Arial" panose="020B0604020202020204" pitchFamily="34" charset="0"/>
-                <a:cs typeface="Arial" panose="020B0604020202020204" pitchFamily="34" charset="0"/>
-              </a:rPr>
-              <a:t>Shivansh</a:t>
-            </a:r>
-            <a:r>
-              <a:rPr lang="en-IN" sz="2400" dirty="0" smtClean="0">
-                <a:latin typeface="Arial" panose="020B0604020202020204" pitchFamily="34" charset="0"/>
-                <a:cs typeface="Arial" panose="020B0604020202020204" pitchFamily="34" charset="0"/>
-              </a:rPr>
-              <a:t> Gupta</a:t>
-            </a:r>
-          </a:p>
-          <a:p>
-            <a:pPr marL="0" indent="0">
-              <a:buNone/>
-            </a:pPr>
-            <a:r>
-              <a:rPr lang="en-IN" sz="2400" dirty="0">
-                <a:latin typeface="Arial" panose="020B0604020202020204" pitchFamily="34" charset="0"/>
-                <a:cs typeface="Arial" panose="020B0604020202020204" pitchFamily="34" charset="0"/>
-              </a:rPr>
-              <a:t>	Univ. roll no. – </a:t>
-            </a:r>
-            <a:r>
-              <a:rPr lang="en-IN" sz="2400" dirty="0" smtClean="0">
-                <a:latin typeface="Arial" panose="020B0604020202020204" pitchFamily="34" charset="0"/>
-                <a:cs typeface="Arial" panose="020B0604020202020204" pitchFamily="34" charset="0"/>
-              </a:rPr>
-              <a:t>191500771</a:t>
+              <a:t>Rishabh Dubey</a:t>
             </a:r>
             <a:endParaRPr lang="en-IN" sz="2400" dirty="0">
               <a:latin typeface="Arial" panose="020B0604020202020204" pitchFamily="34" charset="0"/>
@@ -14309,29 +14265,21 @@
           </a:p>
           <a:p>
             <a:r>
-              <a:rPr lang="en-IN" dirty="0" err="1" smtClean="0">
+              <a:rPr lang="en-IN" dirty="0" smtClean="0">
                 <a:latin typeface="Arial" panose="020B0604020202020204" pitchFamily="34" charset="0"/>
                 <a:cs typeface="Arial" panose="020B0604020202020204" pitchFamily="34" charset="0"/>
               </a:rPr>
               <a:t>Mongodb</a:t>
             </a:r>
-            <a:endParaRPr lang="en-IN" dirty="0" smtClean="0">
-              <a:latin typeface="Arial" panose="020B0604020202020204" pitchFamily="34" charset="0"/>
-              <a:cs typeface="Arial" panose="020B0604020202020204" pitchFamily="34" charset="0"/>
-            </a:endParaRPr>
           </a:p>
           <a:p>
             <a:r>
-              <a:rPr lang="en-IN" dirty="0" err="1" smtClean="0">
+              <a:rPr lang="en-IN" dirty="0" smtClean="0">
                 <a:latin typeface="Arial" panose="020B0604020202020204" pitchFamily="34" charset="0"/>
                 <a:cs typeface="Arial" panose="020B0604020202020204" pitchFamily="34" charset="0"/>
               </a:rPr>
               <a:t>Figma</a:t>
             </a:r>
-            <a:endParaRPr lang="en-IN" dirty="0" smtClean="0">
-              <a:latin typeface="Arial" panose="020B0604020202020204" pitchFamily="34" charset="0"/>
-              <a:cs typeface="Arial" panose="020B0604020202020204" pitchFamily="34" charset="0"/>
-            </a:endParaRPr>
           </a:p>
           <a:p>
             <a:r>
